--- a/Objective_C/Chp3_Class_object_method.pptx
+++ b/Objective_C/Chp3_Class_object_method.pptx
@@ -5,7 +5,7 @@
     <p:sldMasterId id="2147483648" r:id="rId1"/>
   </p:sldMasterIdLst>
   <p:notesMasterIdLst>
-    <p:notesMasterId r:id="rId41"/>
+    <p:notesMasterId r:id="rId40"/>
   </p:notesMasterIdLst>
   <p:sldIdLst>
     <p:sldId id="256" r:id="rId2"/>
@@ -46,7 +46,6 @@
     <p:sldId id="265" r:id="rId37"/>
     <p:sldId id="296" r:id="rId38"/>
     <p:sldId id="297" r:id="rId39"/>
-    <p:sldId id="266" r:id="rId40"/>
   </p:sldIdLst>
   <p:sldSz cx="9144000" cy="6858000" type="screen4x3"/>
   <p:notesSz cx="6858000" cy="9144000"/>
@@ -230,7 +229,7 @@
           <a:p>
             <a:fld id="{5FCF99D6-1F51-2B49-8552-7D1C5CC49976}" type="datetimeFigureOut">
               <a:rPr kumimoji="1" lang="zh-CN" altLang="en-US" smtClean="0"/>
-              <a:t>11/25/15</a:t>
+              <a:t>4/17/16</a:t>
             </a:fld>
             <a:endParaRPr kumimoji="1" lang="zh-CN" altLang="en-US"/>
           </a:p>
@@ -865,7 +864,7 @@
           <a:p>
             <a:fld id="{E3812BC1-F107-5949-9815-8BEE7F3ABC94}" type="datetimeFigureOut">
               <a:rPr kumimoji="1" lang="zh-CN" altLang="en-US" smtClean="0"/>
-              <a:t>11/25/15</a:t>
+              <a:t>4/17/16</a:t>
             </a:fld>
             <a:endParaRPr kumimoji="1" lang="zh-CN" altLang="en-US"/>
           </a:p>
@@ -1035,7 +1034,7 @@
           <a:p>
             <a:fld id="{E3812BC1-F107-5949-9815-8BEE7F3ABC94}" type="datetimeFigureOut">
               <a:rPr kumimoji="1" lang="zh-CN" altLang="en-US" smtClean="0"/>
-              <a:t>11/25/15</a:t>
+              <a:t>4/17/16</a:t>
             </a:fld>
             <a:endParaRPr kumimoji="1" lang="zh-CN" altLang="en-US"/>
           </a:p>
@@ -1215,7 +1214,7 @@
           <a:p>
             <a:fld id="{E3812BC1-F107-5949-9815-8BEE7F3ABC94}" type="datetimeFigureOut">
               <a:rPr kumimoji="1" lang="zh-CN" altLang="en-US" smtClean="0"/>
-              <a:t>11/25/15</a:t>
+              <a:t>4/17/16</a:t>
             </a:fld>
             <a:endParaRPr kumimoji="1" lang="zh-CN" altLang="en-US"/>
           </a:p>
@@ -1385,7 +1384,7 @@
           <a:p>
             <a:fld id="{E3812BC1-F107-5949-9815-8BEE7F3ABC94}" type="datetimeFigureOut">
               <a:rPr kumimoji="1" lang="zh-CN" altLang="en-US" smtClean="0"/>
-              <a:t>11/25/15</a:t>
+              <a:t>4/17/16</a:t>
             </a:fld>
             <a:endParaRPr kumimoji="1" lang="zh-CN" altLang="en-US"/>
           </a:p>
@@ -1631,7 +1630,7 @@
           <a:p>
             <a:fld id="{E3812BC1-F107-5949-9815-8BEE7F3ABC94}" type="datetimeFigureOut">
               <a:rPr kumimoji="1" lang="zh-CN" altLang="en-US" smtClean="0"/>
-              <a:t>11/25/15</a:t>
+              <a:t>4/17/16</a:t>
             </a:fld>
             <a:endParaRPr kumimoji="1" lang="zh-CN" altLang="en-US"/>
           </a:p>
@@ -1919,7 +1918,7 @@
           <a:p>
             <a:fld id="{E3812BC1-F107-5949-9815-8BEE7F3ABC94}" type="datetimeFigureOut">
               <a:rPr kumimoji="1" lang="zh-CN" altLang="en-US" smtClean="0"/>
-              <a:t>11/25/15</a:t>
+              <a:t>4/17/16</a:t>
             </a:fld>
             <a:endParaRPr kumimoji="1" lang="zh-CN" altLang="en-US"/>
           </a:p>
@@ -2341,7 +2340,7 @@
           <a:p>
             <a:fld id="{E3812BC1-F107-5949-9815-8BEE7F3ABC94}" type="datetimeFigureOut">
               <a:rPr kumimoji="1" lang="zh-CN" altLang="en-US" smtClean="0"/>
-              <a:t>11/25/15</a:t>
+              <a:t>4/17/16</a:t>
             </a:fld>
             <a:endParaRPr kumimoji="1" lang="zh-CN" altLang="en-US"/>
           </a:p>
@@ -2459,7 +2458,7 @@
           <a:p>
             <a:fld id="{E3812BC1-F107-5949-9815-8BEE7F3ABC94}" type="datetimeFigureOut">
               <a:rPr kumimoji="1" lang="zh-CN" altLang="en-US" smtClean="0"/>
-              <a:t>11/25/15</a:t>
+              <a:t>4/17/16</a:t>
             </a:fld>
             <a:endParaRPr kumimoji="1" lang="zh-CN" altLang="en-US"/>
           </a:p>
@@ -2554,7 +2553,7 @@
           <a:p>
             <a:fld id="{E3812BC1-F107-5949-9815-8BEE7F3ABC94}" type="datetimeFigureOut">
               <a:rPr kumimoji="1" lang="zh-CN" altLang="en-US" smtClean="0"/>
-              <a:t>11/25/15</a:t>
+              <a:t>4/17/16</a:t>
             </a:fld>
             <a:endParaRPr kumimoji="1" lang="zh-CN" altLang="en-US"/>
           </a:p>
@@ -2831,7 +2830,7 @@
           <a:p>
             <a:fld id="{E3812BC1-F107-5949-9815-8BEE7F3ABC94}" type="datetimeFigureOut">
               <a:rPr kumimoji="1" lang="zh-CN" altLang="en-US" smtClean="0"/>
-              <a:t>11/25/15</a:t>
+              <a:t>4/17/16</a:t>
             </a:fld>
             <a:endParaRPr kumimoji="1" lang="zh-CN" altLang="en-US"/>
           </a:p>
@@ -3084,7 +3083,7 @@
           <a:p>
             <a:fld id="{E3812BC1-F107-5949-9815-8BEE7F3ABC94}" type="datetimeFigureOut">
               <a:rPr kumimoji="1" lang="zh-CN" altLang="en-US" smtClean="0"/>
-              <a:t>11/25/15</a:t>
+              <a:t>4/17/16</a:t>
             </a:fld>
             <a:endParaRPr kumimoji="1" lang="zh-CN" altLang="en-US"/>
           </a:p>
@@ -3297,7 +3296,7 @@
           <a:p>
             <a:fld id="{E3812BC1-F107-5949-9815-8BEE7F3ABC94}" type="datetimeFigureOut">
               <a:rPr kumimoji="1" lang="zh-CN" altLang="en-US" smtClean="0"/>
-              <a:t>11/25/15</a:t>
+              <a:t>4/17/16</a:t>
             </a:fld>
             <a:endParaRPr kumimoji="1" lang="zh-CN" altLang="en-US"/>
           </a:p>
@@ -3719,15 +3718,7 @@
           <a:p>
             <a:r>
               <a:rPr kumimoji="1" lang="zh-CN" altLang="en-US" dirty="0" smtClean="0"/>
-              <a:t>方法是类或</a:t>
-            </a:r>
-            <a:r>
-              <a:rPr kumimoji="1" lang="zh-CN" altLang="en-US" dirty="0" smtClean="0"/>
-              <a:t>对象</a:t>
-            </a:r>
-            <a:r>
-              <a:rPr kumimoji="1" lang="zh-CN" altLang="en-US" dirty="0" smtClean="0"/>
-              <a:t>的形为</a:t>
+              <a:t>方法是类或对象的形为</a:t>
             </a:r>
             <a:endParaRPr kumimoji="1" lang="zh-CN" altLang="en-US" dirty="0"/>
           </a:p>
@@ -8660,85 +8651,6 @@
     <p:extLst>
       <p:ext uri="{BB962C8B-B14F-4D97-AF65-F5344CB8AC3E}">
         <p14:creationId xmlns:p14="http://schemas.microsoft.com/office/powerpoint/2010/main" val="4124757820"/>
-      </p:ext>
-    </p:extLst>
-  </p:cSld>
-  <p:clrMapOvr>
-    <a:masterClrMapping/>
-  </p:clrMapOvr>
-  <p:timing>
-    <p:tnLst>
-      <p:par>
-        <p:cTn xmlns:p14="http://schemas.microsoft.com/office/powerpoint/2010/main" id="1" dur="indefinite" restart="never" nodeType="tmRoot"/>
-      </p:par>
-    </p:tnLst>
-  </p:timing>
-</p:sld>
-</file>
-
-<file path=ppt/slides/slide39.xml><?xml version="1.0" encoding="utf-8"?>
-<p:sld xmlns:a="http://schemas.openxmlformats.org/drawingml/2006/main" xmlns:r="http://schemas.openxmlformats.org/officeDocument/2006/relationships" xmlns:p="http://schemas.openxmlformats.org/presentationml/2006/main">
-  <p:cSld>
-    <p:spTree>
-      <p:nvGrpSpPr>
-        <p:cNvPr id="1" name=""/>
-        <p:cNvGrpSpPr/>
-        <p:nvPr/>
-      </p:nvGrpSpPr>
-      <p:grpSpPr>
-        <a:xfrm>
-          <a:off x="0" y="0"/>
-          <a:ext cx="0" cy="0"/>
-          <a:chOff x="0" y="0"/>
-          <a:chExt cx="0" cy="0"/>
-        </a:xfrm>
-      </p:grpSpPr>
-      <p:sp>
-        <p:nvSpPr>
-          <p:cNvPr id="2" name="标题 1"/>
-          <p:cNvSpPr>
-            <a:spLocks noGrp="1"/>
-          </p:cNvSpPr>
-          <p:nvPr>
-            <p:ph type="title"/>
-          </p:nvPr>
-        </p:nvSpPr>
-        <p:spPr/>
-        <p:txBody>
-          <a:bodyPr/>
-          <a:lstStyle/>
-          <a:p>
-            <a:r>
-              <a:rPr kumimoji="1" lang="zh-CN" altLang="en-US" dirty="0" smtClean="0"/>
-              <a:t>练习说明</a:t>
-            </a:r>
-            <a:endParaRPr kumimoji="1" lang="zh-CN" altLang="en-US" dirty="0"/>
-          </a:p>
-        </p:txBody>
-      </p:sp>
-      <p:sp>
-        <p:nvSpPr>
-          <p:cNvPr id="3" name="内容占位符 2"/>
-          <p:cNvSpPr>
-            <a:spLocks noGrp="1"/>
-          </p:cNvSpPr>
-          <p:nvPr>
-            <p:ph idx="1"/>
-          </p:nvPr>
-        </p:nvSpPr>
-        <p:spPr/>
-        <p:txBody>
-          <a:bodyPr/>
-          <a:lstStyle/>
-          <a:p>
-            <a:endParaRPr kumimoji="1" lang="zh-CN" altLang="en-US" dirty="0"/>
-          </a:p>
-        </p:txBody>
-      </p:sp>
-    </p:spTree>
-    <p:extLst>
-      <p:ext uri="{BB962C8B-B14F-4D97-AF65-F5344CB8AC3E}">
-        <p14:creationId xmlns:p14="http://schemas.microsoft.com/office/powerpoint/2010/main" val="2407519209"/>
       </p:ext>
     </p:extLst>
   </p:cSld>
@@ -9387,14 +9299,14 @@
             </a:r>
             <a:r>
               <a:rPr kumimoji="1" lang="en-US" altLang="zh-CN" dirty="0" smtClean="0"/>
-              <a:t>Car</a:t>
+              <a:t>new</a:t>
             </a:r>
             <a:r>
               <a:rPr kumimoji="1" lang="zh-CN" altLang="en-US" dirty="0" smtClean="0"/>
               <a:t>是类方法或制造厂</a:t>
             </a:r>
             <a:r>
-              <a:rPr kumimoji="1" lang="zh-CN" altLang="en-US" smtClean="0"/>
+              <a:rPr kumimoji="1" lang="zh-CN" altLang="en-US" dirty="0" smtClean="0"/>
               <a:t>方法：  </a:t>
             </a:r>
             <a:endParaRPr kumimoji="1" lang="zh-CN" altLang="en-US" dirty="0"/>
